--- a/INTERNET AND WEB TECHNOLOGY.pptx
+++ b/INTERNET AND WEB TECHNOLOGY.pptx
@@ -7,6 +7,8 @@
   <p:sldIdLst>
     <p:sldId id="256" r:id="rId2"/>
     <p:sldId id="257" r:id="rId3"/>
+    <p:sldId id="258" r:id="rId4"/>
+    <p:sldId id="259" r:id="rId5"/>
   </p:sldIdLst>
   <p:sldSz cx="12192000" cy="6858000"/>
   <p:notesSz cx="6858000" cy="9144000"/>
@@ -105,6 +107,11 @@
       </a:defRPr>
     </a:lvl9pPr>
   </p:defaultTextStyle>
+  <p:extLst>
+    <p:ext uri="{EFAFB233-063F-42B5-8137-9DF3F51BA10A}">
+      <p15:sldGuideLst xmlns:p15="http://schemas.microsoft.com/office/powerpoint/2012/main"/>
+    </p:ext>
+  </p:extLst>
 </p:presentation>
 </file>
 
@@ -6294,6 +6301,239 @@
 </p:sld>
 </file>
 
+<file path=ppt/slides/slide3.xml><?xml version="1.0" encoding="utf-8"?>
+<p:sld xmlns:a="http://schemas.openxmlformats.org/drawingml/2006/main" xmlns:r="http://schemas.openxmlformats.org/officeDocument/2006/relationships" xmlns:p="http://schemas.openxmlformats.org/presentationml/2006/main">
+  <p:cSld>
+    <p:spTree>
+      <p:nvGrpSpPr>
+        <p:cNvPr id="1" name=""/>
+        <p:cNvGrpSpPr/>
+        <p:nvPr/>
+      </p:nvGrpSpPr>
+      <p:grpSpPr>
+        <a:xfrm>
+          <a:off x="0" y="0"/>
+          <a:ext cx="0" cy="0"/>
+          <a:chOff x="0" y="0"/>
+          <a:chExt cx="0" cy="0"/>
+        </a:xfrm>
+      </p:grpSpPr>
+      <p:sp>
+        <p:nvSpPr>
+          <p:cNvPr id="2" name="Title 1"/>
+          <p:cNvSpPr>
+            <a:spLocks noGrp="1"/>
+          </p:cNvSpPr>
+          <p:nvPr>
+            <p:ph type="title"/>
+          </p:nvPr>
+        </p:nvSpPr>
+        <p:spPr/>
+        <p:txBody>
+          <a:bodyPr/>
+          <a:lstStyle/>
+          <a:p>
+            <a:endParaRPr lang="en-IN"/>
+          </a:p>
+        </p:txBody>
+      </p:sp>
+      <p:pic>
+        <p:nvPicPr>
+          <p:cNvPr id="4" name="Content Placeholder 3"/>
+          <p:cNvPicPr>
+            <a:picLocks noGrp="1" noChangeAspect="1"/>
+          </p:cNvPicPr>
+          <p:nvPr>
+            <p:ph idx="1"/>
+          </p:nvPr>
+        </p:nvPicPr>
+        <p:blipFill>
+          <a:blip r:embed="rId2" cstate="print">
+            <a:extLst>
+              <a:ext uri="{28A0092B-C50C-407E-A947-70E740481C1C}">
+                <a14:useLocalDpi xmlns:a14="http://schemas.microsoft.com/office/drawing/2010/main" val="0"/>
+              </a:ext>
+            </a:extLst>
+          </a:blip>
+          <a:stretch>
+            <a:fillRect/>
+          </a:stretch>
+        </p:blipFill>
+        <p:spPr>
+          <a:xfrm>
+            <a:off x="0" y="0"/>
+            <a:ext cx="12192000" cy="6858000"/>
+          </a:xfrm>
+        </p:spPr>
+      </p:pic>
+      <p:sp>
+        <p:nvSpPr>
+          <p:cNvPr id="5" name="Rectangle 4"/>
+          <p:cNvSpPr/>
+          <p:nvPr/>
+        </p:nvSpPr>
+        <p:spPr>
+          <a:xfrm>
+            <a:off x="323833" y="1499019"/>
+            <a:ext cx="3492029" cy="2554545"/>
+          </a:xfrm>
+          <a:prstGeom prst="rect">
+            <a:avLst/>
+          </a:prstGeom>
+          <a:noFill/>
+        </p:spPr>
+        <p:txBody>
+          <a:bodyPr wrap="square" lIns="91440" tIns="45720" rIns="91440" bIns="45720">
+            <a:spAutoFit/>
+          </a:bodyPr>
+          <a:lstStyle/>
+          <a:p>
+            <a:pPr algn="ctr"/>
+            <a:r>
+              <a:rPr lang="en-US" sz="4000" dirty="0" smtClean="0">
+                <a:ln w="0"/>
+                <a:effectLst>
+                  <a:outerShdw blurRad="38100" dist="19050" dir="2700000" algn="tl" rotWithShape="0">
+                    <a:schemeClr val="dk1">
+                      <a:alpha val="40000"/>
+                    </a:schemeClr>
+                  </a:outerShdw>
+                </a:effectLst>
+              </a:rPr>
+              <a:t>This is the screenshot of the landing page</a:t>
+            </a:r>
+            <a:endParaRPr lang="en-US" sz="4000" b="0" cap="none" spc="0" dirty="0">
+              <a:ln w="0"/>
+              <a:gradFill>
+                <a:gsLst>
+                  <a:gs pos="0">
+                    <a:schemeClr val="accent5">
+                      <a:lumMod val="50000"/>
+                    </a:schemeClr>
+                  </a:gs>
+                  <a:gs pos="50000">
+                    <a:schemeClr val="accent5"/>
+                  </a:gs>
+                  <a:gs pos="100000">
+                    <a:schemeClr val="accent5">
+                      <a:lumMod val="60000"/>
+                      <a:lumOff val="40000"/>
+                    </a:schemeClr>
+                  </a:gs>
+                </a:gsLst>
+                <a:lin ang="5400000"/>
+              </a:gradFill>
+              <a:effectLst>
+                <a:reflection blurRad="6350" stA="53000" endA="300" endPos="35500" dir="5400000" sy="-90000" algn="bl" rotWithShape="0"/>
+              </a:effectLst>
+            </a:endParaRPr>
+          </a:p>
+        </p:txBody>
+      </p:sp>
+    </p:spTree>
+    <p:extLst>
+      <p:ext uri="{BB962C8B-B14F-4D97-AF65-F5344CB8AC3E}">
+        <p14:creationId xmlns:p14="http://schemas.microsoft.com/office/powerpoint/2010/main" val="1966012098"/>
+      </p:ext>
+    </p:extLst>
+  </p:cSld>
+  <p:clrMapOvr>
+    <a:masterClrMapping/>
+  </p:clrMapOvr>
+</p:sld>
+</file>
+
+<file path=ppt/slides/slide4.xml><?xml version="1.0" encoding="utf-8"?>
+<p:sld xmlns:a="http://schemas.openxmlformats.org/drawingml/2006/main" xmlns:r="http://schemas.openxmlformats.org/officeDocument/2006/relationships" xmlns:p="http://schemas.openxmlformats.org/presentationml/2006/main">
+  <p:cSld>
+    <p:spTree>
+      <p:nvGrpSpPr>
+        <p:cNvPr id="1" name=""/>
+        <p:cNvGrpSpPr/>
+        <p:nvPr/>
+      </p:nvGrpSpPr>
+      <p:grpSpPr>
+        <a:xfrm>
+          <a:off x="0" y="0"/>
+          <a:ext cx="0" cy="0"/>
+          <a:chOff x="0" y="0"/>
+          <a:chExt cx="0" cy="0"/>
+        </a:xfrm>
+      </p:grpSpPr>
+      <p:sp>
+        <p:nvSpPr>
+          <p:cNvPr id="2" name="Title 1"/>
+          <p:cNvSpPr>
+            <a:spLocks noGrp="1"/>
+          </p:cNvSpPr>
+          <p:nvPr>
+            <p:ph type="title"/>
+          </p:nvPr>
+        </p:nvSpPr>
+        <p:spPr/>
+        <p:txBody>
+          <a:bodyPr/>
+          <a:lstStyle/>
+          <a:p>
+            <a:endParaRPr lang="en-IN" dirty="0"/>
+          </a:p>
+        </p:txBody>
+      </p:sp>
+      <p:sp>
+        <p:nvSpPr>
+          <p:cNvPr id="3" name="Content Placeholder 2"/>
+          <p:cNvSpPr>
+            <a:spLocks noGrp="1"/>
+          </p:cNvSpPr>
+          <p:nvPr>
+            <p:ph idx="1"/>
+          </p:nvPr>
+        </p:nvSpPr>
+        <p:spPr/>
+        <p:txBody>
+          <a:bodyPr/>
+          <a:lstStyle/>
+          <a:p>
+            <a:r>
+              <a:rPr lang="en-IN" dirty="0" smtClean="0"/>
+              <a:t>In the previous slide we have shown the webpage which has fields that are required for registration.</a:t>
+            </a:r>
+          </a:p>
+          <a:p>
+            <a:r>
+              <a:rPr lang="en-IN" dirty="0" smtClean="0"/>
+              <a:t>We wish to create a portal where professors can upload and modify the grades and attendance of students and the latter can just check their details by logging in.</a:t>
+            </a:r>
+          </a:p>
+          <a:p>
+            <a:r>
+              <a:rPr lang="en-IN" dirty="0" smtClean="0"/>
+              <a:t>Details of this project can </a:t>
+            </a:r>
+            <a:r>
+              <a:rPr lang="en-IN" dirty="0"/>
+              <a:t>be found at https://github.com/abhsag24/it-mini-project</a:t>
+            </a:r>
+            <a:endParaRPr lang="en-IN" dirty="0" smtClean="0"/>
+          </a:p>
+          <a:p>
+            <a:endParaRPr lang="en-IN" dirty="0" smtClean="0"/>
+          </a:p>
+        </p:txBody>
+      </p:sp>
+    </p:spTree>
+    <p:extLst>
+      <p:ext uri="{BB962C8B-B14F-4D97-AF65-F5344CB8AC3E}">
+        <p14:creationId xmlns:p14="http://schemas.microsoft.com/office/powerpoint/2010/main" val="1768682688"/>
+      </p:ext>
+    </p:extLst>
+  </p:cSld>
+  <p:clrMapOvr>
+    <a:masterClrMapping/>
+  </p:clrMapOvr>
+</p:sld>
+</file>
+
 <file path=ppt/theme/theme1.xml><?xml version="1.0" encoding="utf-8"?>
 <a:theme xmlns:a="http://schemas.openxmlformats.org/drawingml/2006/main" name="Ion">
   <a:themeElements>
